--- a/pms/PMS简介_171213.pptx
+++ b/pms/PMS简介_171213.pptx
@@ -874,7 +874,7 @@
             <a:fld id="{B61BEF0D-F0BB-DE4B-95CE-6DB70DBA9567}" type="datetimeFigureOut">
               <a:rPr lang="en-US" smtClean="0"/>
               <a:pPr/>
-              <a:t>12/7/2017</a:t>
+              <a:t>12/14/2017</a:t>
             </a:fld>
             <a:endParaRPr lang="en-US" dirty="0"/>
           </a:p>
@@ -1127,7 +1127,7 @@
             <a:fld id="{B61BEF0D-F0BB-DE4B-95CE-6DB70DBA9567}" type="datetimeFigureOut">
               <a:rPr lang="en-US" smtClean="0"/>
               <a:pPr/>
-              <a:t>12/7/2017</a:t>
+              <a:t>12/14/2017</a:t>
             </a:fld>
             <a:endParaRPr lang="en-US" dirty="0"/>
           </a:p>
@@ -1443,7 +1443,7 @@
             <a:fld id="{B61BEF0D-F0BB-DE4B-95CE-6DB70DBA9567}" type="datetimeFigureOut">
               <a:rPr lang="en-US" smtClean="0"/>
               <a:pPr/>
-              <a:t>12/7/2017</a:t>
+              <a:t>12/14/2017</a:t>
             </a:fld>
             <a:endParaRPr lang="en-US" dirty="0"/>
           </a:p>
@@ -1778,7 +1778,7 @@
             <a:fld id="{B61BEF0D-F0BB-DE4B-95CE-6DB70DBA9567}" type="datetimeFigureOut">
               <a:rPr lang="en-US" smtClean="0"/>
               <a:pPr/>
-              <a:t>12/7/2017</a:t>
+              <a:t>12/14/2017</a:t>
             </a:fld>
             <a:endParaRPr lang="en-US" dirty="0"/>
           </a:p>
@@ -2094,7 +2094,7 @@
             <a:fld id="{B61BEF0D-F0BB-DE4B-95CE-6DB70DBA9567}" type="datetimeFigureOut">
               <a:rPr lang="en-US" smtClean="0"/>
               <a:pPr/>
-              <a:t>12/7/2017</a:t>
+              <a:t>12/14/2017</a:t>
             </a:fld>
             <a:endParaRPr lang="en-US" dirty="0"/>
           </a:p>
@@ -2489,7 +2489,7 @@
             <a:fld id="{B61BEF0D-F0BB-DE4B-95CE-6DB70DBA9567}" type="datetimeFigureOut">
               <a:rPr lang="en-US" smtClean="0"/>
               <a:pPr/>
-              <a:t>12/7/2017</a:t>
+              <a:t>12/14/2017</a:t>
             </a:fld>
             <a:endParaRPr lang="en-US" dirty="0"/>
           </a:p>
@@ -2661,7 +2661,7 @@
             <a:fld id="{B61BEF0D-F0BB-DE4B-95CE-6DB70DBA9567}" type="datetimeFigureOut">
               <a:rPr lang="en-US" smtClean="0"/>
               <a:pPr/>
-              <a:t>12/7/2017</a:t>
+              <a:t>12/14/2017</a:t>
             </a:fld>
             <a:endParaRPr lang="en-US" dirty="0"/>
           </a:p>
@@ -2843,7 +2843,7 @@
             <a:fld id="{B61BEF0D-F0BB-DE4B-95CE-6DB70DBA9567}" type="datetimeFigureOut">
               <a:rPr lang="en-US" smtClean="0"/>
               <a:pPr/>
-              <a:t>12/7/2017</a:t>
+              <a:t>12/14/2017</a:t>
             </a:fld>
             <a:endParaRPr lang="en-US" dirty="0"/>
           </a:p>
@@ -3015,7 +3015,7 @@
             <a:fld id="{B61BEF0D-F0BB-DE4B-95CE-6DB70DBA9567}" type="datetimeFigureOut">
               <a:rPr lang="en-US" smtClean="0"/>
               <a:pPr/>
-              <a:t>12/7/2017</a:t>
+              <a:t>12/14/2017</a:t>
             </a:fld>
             <a:endParaRPr lang="en-US" dirty="0"/>
           </a:p>
@@ -3264,7 +3264,7 @@
             <a:fld id="{B61BEF0D-F0BB-DE4B-95CE-6DB70DBA9567}" type="datetimeFigureOut">
               <a:rPr lang="en-US" smtClean="0"/>
               <a:pPr/>
-              <a:t>12/7/2017</a:t>
+              <a:t>12/14/2017</a:t>
             </a:fld>
             <a:endParaRPr lang="en-US" dirty="0"/>
           </a:p>
@@ -3498,7 +3498,7 @@
             <a:fld id="{B61BEF0D-F0BB-DE4B-95CE-6DB70DBA9567}" type="datetimeFigureOut">
               <a:rPr lang="en-US" smtClean="0"/>
               <a:pPr/>
-              <a:t>12/7/2017</a:t>
+              <a:t>12/14/2017</a:t>
             </a:fld>
             <a:endParaRPr lang="en-US" dirty="0"/>
           </a:p>
@@ -3874,7 +3874,7 @@
             <a:fld id="{B61BEF0D-F0BB-DE4B-95CE-6DB70DBA9567}" type="datetimeFigureOut">
               <a:rPr lang="en-US" smtClean="0"/>
               <a:pPr/>
-              <a:t>12/7/2017</a:t>
+              <a:t>12/14/2017</a:t>
             </a:fld>
             <a:endParaRPr lang="en-US" dirty="0"/>
           </a:p>
@@ -3999,7 +3999,7 @@
             <a:fld id="{B61BEF0D-F0BB-DE4B-95CE-6DB70DBA9567}" type="datetimeFigureOut">
               <a:rPr lang="en-US" smtClean="0"/>
               <a:pPr/>
-              <a:t>12/7/2017</a:t>
+              <a:t>12/14/2017</a:t>
             </a:fld>
             <a:endParaRPr lang="en-US" dirty="0"/>
           </a:p>
@@ -4096,7 +4096,7 @@
             <a:fld id="{B61BEF0D-F0BB-DE4B-95CE-6DB70DBA9567}" type="datetimeFigureOut">
               <a:rPr lang="en-US" smtClean="0"/>
               <a:pPr/>
-              <a:t>12/7/2017</a:t>
+              <a:t>12/14/2017</a:t>
             </a:fld>
             <a:endParaRPr lang="en-US" dirty="0"/>
           </a:p>
@@ -4353,7 +4353,7 @@
             <a:fld id="{B61BEF0D-F0BB-DE4B-95CE-6DB70DBA9567}" type="datetimeFigureOut">
               <a:rPr lang="en-US" smtClean="0"/>
               <a:pPr/>
-              <a:t>12/7/2017</a:t>
+              <a:t>12/14/2017</a:t>
             </a:fld>
             <a:endParaRPr lang="en-US" dirty="0"/>
           </a:p>
@@ -4661,7 +4661,7 @@
             <a:fld id="{B61BEF0D-F0BB-DE4B-95CE-6DB70DBA9567}" type="datetimeFigureOut">
               <a:rPr lang="en-US" smtClean="0"/>
               <a:pPr/>
-              <a:t>12/7/2017</a:t>
+              <a:t>12/14/2017</a:t>
             </a:fld>
             <a:endParaRPr lang="en-US" dirty="0"/>
           </a:p>
@@ -5364,7 +5364,7 @@
             <a:fld id="{B61BEF0D-F0BB-DE4B-95CE-6DB70DBA9567}" type="datetimeFigureOut">
               <a:rPr lang="en-US" smtClean="0"/>
               <a:pPr/>
-              <a:t>12/7/2017</a:t>
+              <a:t>12/14/2017</a:t>
             </a:fld>
             <a:endParaRPr lang="en-US" dirty="0"/>
           </a:p>
@@ -7532,23 +7532,11 @@
             </a:r>
             <a:r>
               <a:rPr lang="zh-CN" altLang="en-US" dirty="0" smtClean="0"/>
-              <a:t>和</a:t>
-            </a:r>
-            <a:r>
-              <a:rPr lang="zh-CN" altLang="en-US" dirty="0" smtClean="0"/>
-              <a:t>分配</a:t>
+              <a:t>和分配</a:t>
             </a:r>
             <a:r>
               <a:rPr lang="en-US" altLang="zh-CN" dirty="0" smtClean="0"/>
-              <a:t>UID</a:t>
-            </a:r>
-            <a:r>
-              <a:rPr lang="en-US" altLang="zh-CN" dirty="0" smtClean="0"/>
-              <a:t>/</a:t>
-            </a:r>
-            <a:r>
-              <a:rPr lang="en-US" altLang="zh-CN" dirty="0" smtClean="0"/>
-              <a:t>GID,</a:t>
+              <a:t>UID/GID,</a:t>
             </a:r>
             <a:r>
               <a:rPr lang="zh-CN" altLang="en-US" dirty="0" smtClean="0"/>
@@ -8332,11 +8320,7 @@
           <a:p>
             <a:r>
               <a:rPr lang="zh-CN" altLang="zh-CN" dirty="0"/>
-              <a:t>开机</a:t>
-            </a:r>
-            <a:r>
-              <a:rPr lang="zh-CN" altLang="zh-CN" dirty="0"/>
-              <a:t>安装</a:t>
+              <a:t>开机安装</a:t>
             </a:r>
             <a:r>
               <a:rPr lang="zh-CN" altLang="en-US" dirty="0"/>
@@ -9313,7 +9297,7 @@
         </p:nvGraphicFramePr>
         <p:xfrm>
           <a:off x="1061879" y="5489236"/>
-          <a:ext cx="5267960" cy="1289622"/>
+          <a:ext cx="5267960" cy="1303020"/>
         </p:xfrm>
         <a:graphic>
           <a:graphicData uri="http://schemas.openxmlformats.org/drawingml/2006/table">
@@ -11193,7 +11177,7 @@
         <p:spPr>
           <a:xfrm>
             <a:off x="677334" y="1608463"/>
-            <a:ext cx="8596668" cy="2118711"/>
+            <a:ext cx="8596668" cy="1224189"/>
           </a:xfrm>
         </p:spPr>
         <p:txBody>
